--- a/AIGameDesignDocument.pptx
+++ b/AIGameDesignDocument.pptx
@@ -12,8 +12,10 @@
     <p:sldId id="259" r:id="rId6"/>
     <p:sldId id="260" r:id="rId7"/>
     <p:sldId id="262" r:id="rId8"/>
-    <p:sldId id="263" r:id="rId9"/>
-    <p:sldId id="264" r:id="rId10"/>
+    <p:sldId id="265" r:id="rId9"/>
+    <p:sldId id="266" r:id="rId10"/>
+    <p:sldId id="263" r:id="rId11"/>
+    <p:sldId id="264" r:id="rId12"/>
   </p:sldIdLst>
   <p:sldSz cx="12192000" cy="6858000"/>
   <p:notesSz cx="6858000" cy="9144000"/>
@@ -177,7 +179,7 @@
           <a:noFill/>
           <a:extLst>
             <a:ext uri="{909E8E84-426E-40dd-AFC4-6F175D3DCCD1}">
-              <a14:hiddenFill xmlns="" xmlns:a14="http://schemas.microsoft.com/office/drawing/2010/main">
+              <a14:hiddenFill xmlns:a14="http://schemas.microsoft.com/office/drawing/2010/main" xmlns="">
                 <a:solidFill>
                   <a:srgbClr val="FFFFFF"/>
                 </a:solidFill>
@@ -237,7 +239,7 @@
             </a:ln>
             <a:extLst>
               <a:ext uri="{91240B29-F687-4f45-9708-019B960494DF}">
-                <a14:hiddenLine xmlns="" xmlns:a14="http://schemas.microsoft.com/office/drawing/2010/main" w="9525">
+                <a14:hiddenLine xmlns:a14="http://schemas.microsoft.com/office/drawing/2010/main" xmlns="" w="9525">
                   <a:solidFill>
                     <a:srgbClr val="000000"/>
                   </a:solidFill>
@@ -327,7 +329,7 @@
             </a:ln>
             <a:extLst>
               <a:ext uri="{91240B29-F687-4f45-9708-019B960494DF}">
-                <a14:hiddenLine xmlns="" xmlns:a14="http://schemas.microsoft.com/office/drawing/2010/main" w="9525">
+                <a14:hiddenLine xmlns:a14="http://schemas.microsoft.com/office/drawing/2010/main" xmlns="" w="9525">
                   <a:solidFill>
                     <a:srgbClr val="000000"/>
                   </a:solidFill>
@@ -417,7 +419,7 @@
             </a:ln>
             <a:extLst>
               <a:ext uri="{91240B29-F687-4f45-9708-019B960494DF}">
-                <a14:hiddenLine xmlns="" xmlns:a14="http://schemas.microsoft.com/office/drawing/2010/main" w="9525">
+                <a14:hiddenLine xmlns:a14="http://schemas.microsoft.com/office/drawing/2010/main" xmlns="" w="9525">
                   <a:solidFill>
                     <a:srgbClr val="000000"/>
                   </a:solidFill>
@@ -451,7 +453,7 @@
             </a:ln>
             <a:extLst>
               <a:ext uri="{91240B29-F687-4f45-9708-019B960494DF}">
-                <a14:hiddenLine xmlns="" xmlns:a14="http://schemas.microsoft.com/office/drawing/2010/main" w="9525">
+                <a14:hiddenLine xmlns:a14="http://schemas.microsoft.com/office/drawing/2010/main" xmlns="" w="9525">
                   <a:solidFill>
                     <a:srgbClr val="000000"/>
                   </a:solidFill>
@@ -541,7 +543,7 @@
             </a:ln>
             <a:extLst>
               <a:ext uri="{91240B29-F687-4f45-9708-019B960494DF}">
-                <a14:hiddenLine xmlns="" xmlns:a14="http://schemas.microsoft.com/office/drawing/2010/main" w="9525">
+                <a14:hiddenLine xmlns:a14="http://schemas.microsoft.com/office/drawing/2010/main" xmlns="" w="9525">
                   <a:solidFill>
                     <a:srgbClr val="000000"/>
                   </a:solidFill>
@@ -603,7 +605,7 @@
             </a:ln>
             <a:extLst>
               <a:ext uri="{91240B29-F687-4f45-9708-019B960494DF}">
-                <a14:hiddenLine xmlns="" xmlns:a14="http://schemas.microsoft.com/office/drawing/2010/main" w="9525">
+                <a14:hiddenLine xmlns:a14="http://schemas.microsoft.com/office/drawing/2010/main" xmlns="" w="9525">
                   <a:solidFill>
                     <a:srgbClr val="000000"/>
                   </a:solidFill>
@@ -665,7 +667,7 @@
             </a:ln>
             <a:extLst>
               <a:ext uri="{91240B29-F687-4f45-9708-019B960494DF}">
-                <a14:hiddenLine xmlns="" xmlns:a14="http://schemas.microsoft.com/office/drawing/2010/main" w="9525">
+                <a14:hiddenLine xmlns:a14="http://schemas.microsoft.com/office/drawing/2010/main" xmlns="" w="9525">
                   <a:solidFill>
                     <a:srgbClr val="000000"/>
                   </a:solidFill>
@@ -755,7 +757,7 @@
             </a:ln>
             <a:extLst>
               <a:ext uri="{91240B29-F687-4f45-9708-019B960494DF}">
-                <a14:hiddenLine xmlns="" xmlns:a14="http://schemas.microsoft.com/office/drawing/2010/main" w="9525">
+                <a14:hiddenLine xmlns:a14="http://schemas.microsoft.com/office/drawing/2010/main" xmlns="" w="9525">
                   <a:solidFill>
                     <a:srgbClr val="000000"/>
                   </a:solidFill>
@@ -817,7 +819,7 @@
             </a:ln>
             <a:extLst>
               <a:ext uri="{91240B29-F687-4f45-9708-019B960494DF}">
-                <a14:hiddenLine xmlns="" xmlns:a14="http://schemas.microsoft.com/office/drawing/2010/main" w="9525">
+                <a14:hiddenLine xmlns:a14="http://schemas.microsoft.com/office/drawing/2010/main" xmlns="" w="9525">
                   <a:solidFill>
                     <a:srgbClr val="000000"/>
                   </a:solidFill>
@@ -879,7 +881,7 @@
             </a:ln>
             <a:extLst>
               <a:ext uri="{91240B29-F687-4f45-9708-019B960494DF}">
-                <a14:hiddenLine xmlns="" xmlns:a14="http://schemas.microsoft.com/office/drawing/2010/main" w="9525">
+                <a14:hiddenLine xmlns:a14="http://schemas.microsoft.com/office/drawing/2010/main" xmlns="" w="9525">
                   <a:solidFill>
                     <a:srgbClr val="000000"/>
                   </a:solidFill>
@@ -969,7 +971,7 @@
             </a:ln>
             <a:extLst>
               <a:ext uri="{91240B29-F687-4f45-9708-019B960494DF}">
-                <a14:hiddenLine xmlns="" xmlns:a14="http://schemas.microsoft.com/office/drawing/2010/main" w="9525">
+                <a14:hiddenLine xmlns:a14="http://schemas.microsoft.com/office/drawing/2010/main" xmlns="" w="9525">
                   <a:solidFill>
                     <a:srgbClr val="000000"/>
                   </a:solidFill>
@@ -1059,7 +1061,7 @@
             </a:ln>
             <a:extLst>
               <a:ext uri="{91240B29-F687-4f45-9708-019B960494DF}">
-                <a14:hiddenLine xmlns="" xmlns:a14="http://schemas.microsoft.com/office/drawing/2010/main" w="9525">
+                <a14:hiddenLine xmlns:a14="http://schemas.microsoft.com/office/drawing/2010/main" xmlns="" w="9525">
                   <a:solidFill>
                     <a:srgbClr val="000000"/>
                   </a:solidFill>
@@ -1121,7 +1123,7 @@
             </a:ln>
             <a:extLst>
               <a:ext uri="{91240B29-F687-4f45-9708-019B960494DF}">
-                <a14:hiddenLine xmlns="" xmlns:a14="http://schemas.microsoft.com/office/drawing/2010/main" w="9525">
+                <a14:hiddenLine xmlns:a14="http://schemas.microsoft.com/office/drawing/2010/main" xmlns="" w="9525">
                   <a:solidFill>
                     <a:srgbClr val="000000"/>
                   </a:solidFill>
@@ -1231,7 +1233,7 @@
             </a:ln>
             <a:extLst>
               <a:ext uri="{91240B29-F687-4f45-9708-019B960494DF}">
-                <a14:hiddenLine xmlns="" xmlns:a14="http://schemas.microsoft.com/office/drawing/2010/main" w="9525">
+                <a14:hiddenLine xmlns:a14="http://schemas.microsoft.com/office/drawing/2010/main" xmlns="" w="9525">
                   <a:solidFill>
                     <a:srgbClr val="000000"/>
                   </a:solidFill>
@@ -1293,7 +1295,7 @@
             </a:ln>
             <a:extLst>
               <a:ext uri="{91240B29-F687-4f45-9708-019B960494DF}">
-                <a14:hiddenLine xmlns="" xmlns:a14="http://schemas.microsoft.com/office/drawing/2010/main" w="9525">
+                <a14:hiddenLine xmlns:a14="http://schemas.microsoft.com/office/drawing/2010/main" xmlns="" w="9525">
                   <a:solidFill>
                     <a:srgbClr val="000000"/>
                   </a:solidFill>
@@ -1383,7 +1385,7 @@
             </a:ln>
             <a:extLst>
               <a:ext uri="{91240B29-F687-4f45-9708-019B960494DF}">
-                <a14:hiddenLine xmlns="" xmlns:a14="http://schemas.microsoft.com/office/drawing/2010/main" w="9525">
+                <a14:hiddenLine xmlns:a14="http://schemas.microsoft.com/office/drawing/2010/main" xmlns="" w="9525">
                   <a:solidFill>
                     <a:srgbClr val="000000"/>
                   </a:solidFill>
@@ -1473,7 +1475,7 @@
             </a:ln>
             <a:extLst>
               <a:ext uri="{91240B29-F687-4f45-9708-019B960494DF}">
-                <a14:hiddenLine xmlns="" xmlns:a14="http://schemas.microsoft.com/office/drawing/2010/main" w="9525">
+                <a14:hiddenLine xmlns:a14="http://schemas.microsoft.com/office/drawing/2010/main" xmlns="" w="9525">
                   <a:solidFill>
                     <a:srgbClr val="000000"/>
                   </a:solidFill>
@@ -1535,7 +1537,7 @@
             </a:ln>
             <a:extLst>
               <a:ext uri="{91240B29-F687-4f45-9708-019B960494DF}">
-                <a14:hiddenLine xmlns="" xmlns:a14="http://schemas.microsoft.com/office/drawing/2010/main" w="9525">
+                <a14:hiddenLine xmlns:a14="http://schemas.microsoft.com/office/drawing/2010/main" xmlns="" w="9525">
                   <a:solidFill>
                     <a:srgbClr val="000000"/>
                   </a:solidFill>
@@ -1625,7 +1627,7 @@
             </a:ln>
             <a:extLst>
               <a:ext uri="{91240B29-F687-4f45-9708-019B960494DF}">
-                <a14:hiddenLine xmlns="" xmlns:a14="http://schemas.microsoft.com/office/drawing/2010/main" w="9525">
+                <a14:hiddenLine xmlns:a14="http://schemas.microsoft.com/office/drawing/2010/main" xmlns="" w="9525">
                   <a:solidFill>
                     <a:srgbClr val="000000"/>
                   </a:solidFill>
@@ -1715,7 +1717,7 @@
             </a:ln>
             <a:extLst>
               <a:ext uri="{91240B29-F687-4f45-9708-019B960494DF}">
-                <a14:hiddenLine xmlns="" xmlns:a14="http://schemas.microsoft.com/office/drawing/2010/main" w="9525">
+                <a14:hiddenLine xmlns:a14="http://schemas.microsoft.com/office/drawing/2010/main" xmlns="" w="9525">
                   <a:solidFill>
                     <a:srgbClr val="000000"/>
                   </a:solidFill>
@@ -1771,7 +1773,7 @@
             </a:ln>
             <a:extLst>
               <a:ext uri="{91240B29-F687-4f45-9708-019B960494DF}">
-                <a14:hiddenLine xmlns="" xmlns:a14="http://schemas.microsoft.com/office/drawing/2010/main" w="9525">
+                <a14:hiddenLine xmlns:a14="http://schemas.microsoft.com/office/drawing/2010/main" xmlns="" w="9525">
                   <a:solidFill>
                     <a:srgbClr val="000000"/>
                   </a:solidFill>
@@ -1861,7 +1863,7 @@
             </a:ln>
             <a:extLst>
               <a:ext uri="{91240B29-F687-4f45-9708-019B960494DF}">
-                <a14:hiddenLine xmlns="" xmlns:a14="http://schemas.microsoft.com/office/drawing/2010/main" w="9525">
+                <a14:hiddenLine xmlns:a14="http://schemas.microsoft.com/office/drawing/2010/main" xmlns="" w="9525">
                   <a:solidFill>
                     <a:srgbClr val="000000"/>
                   </a:solidFill>
@@ -1917,7 +1919,7 @@
             </a:ln>
             <a:extLst>
               <a:ext uri="{91240B29-F687-4f45-9708-019B960494DF}">
-                <a14:hiddenLine xmlns="" xmlns:a14="http://schemas.microsoft.com/office/drawing/2010/main" w="9525">
+                <a14:hiddenLine xmlns:a14="http://schemas.microsoft.com/office/drawing/2010/main" xmlns="" w="9525">
                   <a:solidFill>
                     <a:srgbClr val="000000"/>
                   </a:solidFill>
@@ -2007,7 +2009,7 @@
             </a:ln>
             <a:extLst>
               <a:ext uri="{91240B29-F687-4f45-9708-019B960494DF}">
-                <a14:hiddenLine xmlns="" xmlns:a14="http://schemas.microsoft.com/office/drawing/2010/main" w="9525">
+                <a14:hiddenLine xmlns:a14="http://schemas.microsoft.com/office/drawing/2010/main" xmlns="" w="9525">
                   <a:solidFill>
                     <a:srgbClr val="000000"/>
                   </a:solidFill>
@@ -2075,7 +2077,7 @@
             </a:ln>
             <a:extLst>
               <a:ext uri="{91240B29-F687-4f45-9708-019B960494DF}">
-                <a14:hiddenLine xmlns="" xmlns:a14="http://schemas.microsoft.com/office/drawing/2010/main" w="9525">
+                <a14:hiddenLine xmlns:a14="http://schemas.microsoft.com/office/drawing/2010/main" xmlns="" w="9525">
                   <a:solidFill>
                     <a:srgbClr val="000000"/>
                   </a:solidFill>
@@ -2165,7 +2167,7 @@
             </a:ln>
             <a:extLst>
               <a:ext uri="{91240B29-F687-4f45-9708-019B960494DF}">
-                <a14:hiddenLine xmlns="" xmlns:a14="http://schemas.microsoft.com/office/drawing/2010/main" w="9525">
+                <a14:hiddenLine xmlns:a14="http://schemas.microsoft.com/office/drawing/2010/main" xmlns="" w="9525">
                   <a:solidFill>
                     <a:srgbClr val="000000"/>
                   </a:solidFill>
@@ -2233,7 +2235,7 @@
             </a:ln>
             <a:extLst>
               <a:ext uri="{91240B29-F687-4f45-9708-019B960494DF}">
-                <a14:hiddenLine xmlns="" xmlns:a14="http://schemas.microsoft.com/office/drawing/2010/main" w="9525">
+                <a14:hiddenLine xmlns:a14="http://schemas.microsoft.com/office/drawing/2010/main" xmlns="" w="9525">
                   <a:solidFill>
                     <a:srgbClr val="000000"/>
                   </a:solidFill>
@@ -2323,7 +2325,7 @@
             </a:ln>
             <a:extLst>
               <a:ext uri="{91240B29-F687-4f45-9708-019B960494DF}">
-                <a14:hiddenLine xmlns="" xmlns:a14="http://schemas.microsoft.com/office/drawing/2010/main" w="9525">
+                <a14:hiddenLine xmlns:a14="http://schemas.microsoft.com/office/drawing/2010/main" xmlns="" w="9525">
                   <a:solidFill>
                     <a:srgbClr val="000000"/>
                   </a:solidFill>
@@ -2357,7 +2359,7 @@
             </a:ln>
             <a:extLst>
               <a:ext uri="{91240B29-F687-4f45-9708-019B960494DF}">
-                <a14:hiddenLine xmlns="" xmlns:a14="http://schemas.microsoft.com/office/drawing/2010/main" w="9525">
+                <a14:hiddenLine xmlns:a14="http://schemas.microsoft.com/office/drawing/2010/main" xmlns="" w="9525">
                   <a:solidFill>
                     <a:srgbClr val="000000"/>
                   </a:solidFill>
@@ -2447,7 +2449,7 @@
             </a:ln>
             <a:extLst>
               <a:ext uri="{91240B29-F687-4f45-9708-019B960494DF}">
-                <a14:hiddenLine xmlns="" xmlns:a14="http://schemas.microsoft.com/office/drawing/2010/main" w="9525">
+                <a14:hiddenLine xmlns:a14="http://schemas.microsoft.com/office/drawing/2010/main" xmlns="" w="9525">
                   <a:solidFill>
                     <a:srgbClr val="000000"/>
                   </a:solidFill>
@@ -2509,7 +2511,7 @@
             </a:ln>
             <a:extLst>
               <a:ext uri="{91240B29-F687-4f45-9708-019B960494DF}">
-                <a14:hiddenLine xmlns="" xmlns:a14="http://schemas.microsoft.com/office/drawing/2010/main" w="9525">
+                <a14:hiddenLine xmlns:a14="http://schemas.microsoft.com/office/drawing/2010/main" xmlns="" w="9525">
                   <a:solidFill>
                     <a:srgbClr val="000000"/>
                   </a:solidFill>
@@ -2571,7 +2573,7 @@
             </a:ln>
             <a:extLst>
               <a:ext uri="{91240B29-F687-4f45-9708-019B960494DF}">
-                <a14:hiddenLine xmlns="" xmlns:a14="http://schemas.microsoft.com/office/drawing/2010/main" w="9525">
+                <a14:hiddenLine xmlns:a14="http://schemas.microsoft.com/office/drawing/2010/main" xmlns="" w="9525">
                   <a:solidFill>
                     <a:srgbClr val="000000"/>
                   </a:solidFill>
@@ -2661,7 +2663,7 @@
             </a:ln>
             <a:extLst>
               <a:ext uri="{91240B29-F687-4f45-9708-019B960494DF}">
-                <a14:hiddenLine xmlns="" xmlns:a14="http://schemas.microsoft.com/office/drawing/2010/main" w="9525">
+                <a14:hiddenLine xmlns:a14="http://schemas.microsoft.com/office/drawing/2010/main" xmlns="" w="9525">
                   <a:solidFill>
                     <a:srgbClr val="000000"/>
                   </a:solidFill>
@@ -2729,7 +2731,7 @@
             </a:ln>
             <a:extLst>
               <a:ext uri="{91240B29-F687-4f45-9708-019B960494DF}">
-                <a14:hiddenLine xmlns="" xmlns:a14="http://schemas.microsoft.com/office/drawing/2010/main" w="9525">
+                <a14:hiddenLine xmlns:a14="http://schemas.microsoft.com/office/drawing/2010/main" xmlns="" w="9525">
                   <a:solidFill>
                     <a:srgbClr val="000000"/>
                   </a:solidFill>
@@ -2791,7 +2793,7 @@
             </a:ln>
             <a:extLst>
               <a:ext uri="{91240B29-F687-4f45-9708-019B960494DF}">
-                <a14:hiddenLine xmlns="" xmlns:a14="http://schemas.microsoft.com/office/drawing/2010/main" w="9525">
+                <a14:hiddenLine xmlns:a14="http://schemas.microsoft.com/office/drawing/2010/main" xmlns="" w="9525">
                   <a:solidFill>
                     <a:srgbClr val="000000"/>
                   </a:solidFill>
@@ -2881,7 +2883,7 @@
             </a:ln>
             <a:extLst>
               <a:ext uri="{91240B29-F687-4f45-9708-019B960494DF}">
-                <a14:hiddenLine xmlns="" xmlns:a14="http://schemas.microsoft.com/office/drawing/2010/main" w="9525">
+                <a14:hiddenLine xmlns:a14="http://schemas.microsoft.com/office/drawing/2010/main" xmlns="" w="9525">
                   <a:solidFill>
                     <a:srgbClr val="000000"/>
                   </a:solidFill>
@@ -2943,7 +2945,7 @@
             </a:ln>
             <a:extLst>
               <a:ext uri="{91240B29-F687-4f45-9708-019B960494DF}">
-                <a14:hiddenLine xmlns="" xmlns:a14="http://schemas.microsoft.com/office/drawing/2010/main" w="9525">
+                <a14:hiddenLine xmlns:a14="http://schemas.microsoft.com/office/drawing/2010/main" xmlns="" w="9525">
                   <a:solidFill>
                     <a:srgbClr val="000000"/>
                   </a:solidFill>
@@ -3033,7 +3035,7 @@
             </a:ln>
             <a:extLst>
               <a:ext uri="{91240B29-F687-4f45-9708-019B960494DF}">
-                <a14:hiddenLine xmlns="" xmlns:a14="http://schemas.microsoft.com/office/drawing/2010/main" w="9525">
+                <a14:hiddenLine xmlns:a14="http://schemas.microsoft.com/office/drawing/2010/main" xmlns="" w="9525">
                   <a:solidFill>
                     <a:srgbClr val="000000"/>
                   </a:solidFill>
@@ -3095,7 +3097,7 @@
             </a:ln>
             <a:extLst>
               <a:ext uri="{91240B29-F687-4f45-9708-019B960494DF}">
-                <a14:hiddenLine xmlns="" xmlns:a14="http://schemas.microsoft.com/office/drawing/2010/main" w="9525">
+                <a14:hiddenLine xmlns:a14="http://schemas.microsoft.com/office/drawing/2010/main" xmlns="" w="9525">
                   <a:solidFill>
                     <a:srgbClr val="000000"/>
                   </a:solidFill>
@@ -3185,7 +3187,7 @@
             </a:ln>
             <a:extLst>
               <a:ext uri="{91240B29-F687-4f45-9708-019B960494DF}">
-                <a14:hiddenLine xmlns="" xmlns:a14="http://schemas.microsoft.com/office/drawing/2010/main" w="9525">
+                <a14:hiddenLine xmlns:a14="http://schemas.microsoft.com/office/drawing/2010/main" xmlns="" w="9525">
                   <a:solidFill>
                     <a:srgbClr val="000000"/>
                   </a:solidFill>
@@ -3219,7 +3221,7 @@
             </a:ln>
             <a:extLst>
               <a:ext uri="{91240B29-F687-4f45-9708-019B960494DF}">
-                <a14:hiddenLine xmlns="" xmlns:a14="http://schemas.microsoft.com/office/drawing/2010/main" w="9525">
+                <a14:hiddenLine xmlns:a14="http://schemas.microsoft.com/office/drawing/2010/main" xmlns="" w="9525">
                   <a:solidFill>
                     <a:srgbClr val="000000"/>
                   </a:solidFill>
@@ -3284,7 +3286,7 @@
             </a:ln>
             <a:extLst>
               <a:ext uri="{91240B29-F687-4f45-9708-019B960494DF}">
-                <a14:hiddenLine xmlns="" xmlns:a14="http://schemas.microsoft.com/office/drawing/2010/main" w="9525">
+                <a14:hiddenLine xmlns:a14="http://schemas.microsoft.com/office/drawing/2010/main" xmlns="" w="9525">
                   <a:solidFill>
                     <a:srgbClr val="000000"/>
                   </a:solidFill>
@@ -3374,7 +3376,7 @@
             </a:ln>
             <a:extLst>
               <a:ext uri="{91240B29-F687-4f45-9708-019B960494DF}">
-                <a14:hiddenLine xmlns="" xmlns:a14="http://schemas.microsoft.com/office/drawing/2010/main" w="9525">
+                <a14:hiddenLine xmlns:a14="http://schemas.microsoft.com/office/drawing/2010/main" xmlns="" w="9525">
                   <a:solidFill>
                     <a:srgbClr val="000000"/>
                   </a:solidFill>
@@ -3436,7 +3438,7 @@
             </a:ln>
             <a:extLst>
               <a:ext uri="{91240B29-F687-4f45-9708-019B960494DF}">
-                <a14:hiddenLine xmlns="" xmlns:a14="http://schemas.microsoft.com/office/drawing/2010/main" w="9525">
+                <a14:hiddenLine xmlns:a14="http://schemas.microsoft.com/office/drawing/2010/main" xmlns="" w="9525">
                   <a:solidFill>
                     <a:srgbClr val="000000"/>
                   </a:solidFill>
@@ -3526,7 +3528,7 @@
             </a:ln>
             <a:extLst>
               <a:ext uri="{91240B29-F687-4f45-9708-019B960494DF}">
-                <a14:hiddenLine xmlns="" xmlns:a14="http://schemas.microsoft.com/office/drawing/2010/main" w="9525">
+                <a14:hiddenLine xmlns:a14="http://schemas.microsoft.com/office/drawing/2010/main" xmlns="" w="9525">
                   <a:solidFill>
                     <a:srgbClr val="000000"/>
                   </a:solidFill>
@@ -3616,7 +3618,7 @@
             </a:ln>
             <a:extLst>
               <a:ext uri="{91240B29-F687-4f45-9708-019B960494DF}">
-                <a14:hiddenLine xmlns="" xmlns:a14="http://schemas.microsoft.com/office/drawing/2010/main" w="9525">
+                <a14:hiddenLine xmlns:a14="http://schemas.microsoft.com/office/drawing/2010/main" xmlns="" w="9525">
                   <a:solidFill>
                     <a:srgbClr val="000000"/>
                   </a:solidFill>
@@ -3681,7 +3683,7 @@
             </a:ln>
             <a:extLst>
               <a:ext uri="{91240B29-F687-4f45-9708-019B960494DF}">
-                <a14:hiddenLine xmlns="" xmlns:a14="http://schemas.microsoft.com/office/drawing/2010/main" w="9525">
+                <a14:hiddenLine xmlns:a14="http://schemas.microsoft.com/office/drawing/2010/main" xmlns="" w="9525">
                   <a:solidFill>
                     <a:srgbClr val="000000"/>
                   </a:solidFill>
@@ -3743,7 +3745,7 @@
             </a:ln>
             <a:extLst>
               <a:ext uri="{91240B29-F687-4f45-9708-019B960494DF}">
-                <a14:hiddenLine xmlns="" xmlns:a14="http://schemas.microsoft.com/office/drawing/2010/main" w="9525">
+                <a14:hiddenLine xmlns:a14="http://schemas.microsoft.com/office/drawing/2010/main" xmlns="" w="9525">
                   <a:solidFill>
                     <a:srgbClr val="000000"/>
                   </a:solidFill>
@@ -3833,7 +3835,7 @@
             </a:ln>
             <a:extLst>
               <a:ext uri="{91240B29-F687-4f45-9708-019B960494DF}">
-                <a14:hiddenLine xmlns="" xmlns:a14="http://schemas.microsoft.com/office/drawing/2010/main" w="9525">
+                <a14:hiddenLine xmlns:a14="http://schemas.microsoft.com/office/drawing/2010/main" xmlns="" w="9525">
                   <a:solidFill>
                     <a:srgbClr val="000000"/>
                   </a:solidFill>
@@ -3923,7 +3925,7 @@
             </a:ln>
             <a:extLst>
               <a:ext uri="{91240B29-F687-4f45-9708-019B960494DF}">
-                <a14:hiddenLine xmlns="" xmlns:a14="http://schemas.microsoft.com/office/drawing/2010/main" w="9525">
+                <a14:hiddenLine xmlns:a14="http://schemas.microsoft.com/office/drawing/2010/main" xmlns="" w="9525">
                   <a:solidFill>
                     <a:srgbClr val="000000"/>
                   </a:solidFill>
@@ -3985,7 +3987,7 @@
             </a:ln>
             <a:extLst>
               <a:ext uri="{91240B29-F687-4f45-9708-019B960494DF}">
-                <a14:hiddenLine xmlns="" xmlns:a14="http://schemas.microsoft.com/office/drawing/2010/main" w="9525">
+                <a14:hiddenLine xmlns:a14="http://schemas.microsoft.com/office/drawing/2010/main" xmlns="" w="9525">
                   <a:solidFill>
                     <a:srgbClr val="000000"/>
                   </a:solidFill>
@@ -4105,7 +4107,7 @@
             </a:ln>
             <a:extLst>
               <a:ext uri="{91240B29-F687-4f45-9708-019B960494DF}">
-                <a14:hiddenLine xmlns="" xmlns:a14="http://schemas.microsoft.com/office/drawing/2010/main" w="9525">
+                <a14:hiddenLine xmlns:a14="http://schemas.microsoft.com/office/drawing/2010/main" xmlns="" w="9525">
                   <a:solidFill>
                     <a:srgbClr val="000000"/>
                   </a:solidFill>
@@ -4173,7 +4175,7 @@
             </a:ln>
             <a:extLst>
               <a:ext uri="{91240B29-F687-4f45-9708-019B960494DF}">
-                <a14:hiddenLine xmlns="" xmlns:a14="http://schemas.microsoft.com/office/drawing/2010/main" w="9525">
+                <a14:hiddenLine xmlns:a14="http://schemas.microsoft.com/office/drawing/2010/main" xmlns="" w="9525">
                   <a:solidFill>
                     <a:srgbClr val="000000"/>
                   </a:solidFill>
@@ -4263,7 +4265,7 @@
             </a:ln>
             <a:extLst>
               <a:ext uri="{91240B29-F687-4f45-9708-019B960494DF}">
-                <a14:hiddenLine xmlns="" xmlns:a14="http://schemas.microsoft.com/office/drawing/2010/main" w="9525">
+                <a14:hiddenLine xmlns:a14="http://schemas.microsoft.com/office/drawing/2010/main" xmlns="" w="9525">
                   <a:solidFill>
                     <a:srgbClr val="000000"/>
                   </a:solidFill>
@@ -4403,7 +4405,7 @@
           <a:p>
             <a:fld id="{A03DC38D-B8B9-493F-90D0-9BD720E174E6}" type="datetimeFigureOut">
               <a:rPr lang="en-GB" smtClean="0"/>
-              <a:t>21/01/2020</a:t>
+              <a:t>03/02/2020</a:t>
             </a:fld>
             <a:endParaRPr lang="en-GB"/>
           </a:p>
@@ -4675,7 +4677,7 @@
           <a:p>
             <a:fld id="{A03DC38D-B8B9-493F-90D0-9BD720E174E6}" type="datetimeFigureOut">
               <a:rPr lang="en-GB" smtClean="0"/>
-              <a:t>21/01/2020</a:t>
+              <a:t>03/02/2020</a:t>
             </a:fld>
             <a:endParaRPr lang="en-GB"/>
           </a:p>
@@ -4871,7 +4873,7 @@
           <a:p>
             <a:fld id="{A03DC38D-B8B9-493F-90D0-9BD720E174E6}" type="datetimeFigureOut">
               <a:rPr lang="en-GB" smtClean="0"/>
-              <a:t>21/01/2020</a:t>
+              <a:t>03/02/2020</a:t>
             </a:fld>
             <a:endParaRPr lang="en-GB"/>
           </a:p>
@@ -5134,7 +5136,7 @@
           <a:p>
             <a:fld id="{A03DC38D-B8B9-493F-90D0-9BD720E174E6}" type="datetimeFigureOut">
               <a:rPr lang="en-GB" smtClean="0"/>
-              <a:t>21/01/2020</a:t>
+              <a:t>03/02/2020</a:t>
             </a:fld>
             <a:endParaRPr lang="en-GB"/>
           </a:p>
@@ -5568,7 +5570,7 @@
           <a:p>
             <a:fld id="{A03DC38D-B8B9-493F-90D0-9BD720E174E6}" type="datetimeFigureOut">
               <a:rPr lang="en-GB" smtClean="0"/>
-              <a:t>21/01/2020</a:t>
+              <a:t>03/02/2020</a:t>
             </a:fld>
             <a:endParaRPr lang="en-GB"/>
           </a:p>
@@ -6114,7 +6116,7 @@
           <a:p>
             <a:fld id="{A03DC38D-B8B9-493F-90D0-9BD720E174E6}" type="datetimeFigureOut">
               <a:rPr lang="en-GB" smtClean="0"/>
-              <a:t>21/01/2020</a:t>
+              <a:t>03/02/2020</a:t>
             </a:fld>
             <a:endParaRPr lang="en-GB"/>
           </a:p>
@@ -6834,7 +6836,7 @@
           <a:p>
             <a:fld id="{A03DC38D-B8B9-493F-90D0-9BD720E174E6}" type="datetimeFigureOut">
               <a:rPr lang="en-GB" smtClean="0"/>
-              <a:t>21/01/2020</a:t>
+              <a:t>03/02/2020</a:t>
             </a:fld>
             <a:endParaRPr lang="en-GB"/>
           </a:p>
@@ -7004,7 +7006,7 @@
           <a:p>
             <a:fld id="{A03DC38D-B8B9-493F-90D0-9BD720E174E6}" type="datetimeFigureOut">
               <a:rPr lang="en-GB" smtClean="0"/>
-              <a:t>21/01/2020</a:t>
+              <a:t>03/02/2020</a:t>
             </a:fld>
             <a:endParaRPr lang="en-GB"/>
           </a:p>
@@ -7184,7 +7186,7 @@
           <a:p>
             <a:fld id="{A03DC38D-B8B9-493F-90D0-9BD720E174E6}" type="datetimeFigureOut">
               <a:rPr lang="en-GB" smtClean="0"/>
-              <a:t>21/01/2020</a:t>
+              <a:t>03/02/2020</a:t>
             </a:fld>
             <a:endParaRPr lang="en-GB"/>
           </a:p>
@@ -7354,7 +7356,7 @@
           <a:p>
             <a:fld id="{A03DC38D-B8B9-493F-90D0-9BD720E174E6}" type="datetimeFigureOut">
               <a:rPr lang="en-GB" smtClean="0"/>
-              <a:t>21/01/2020</a:t>
+              <a:t>03/02/2020</a:t>
             </a:fld>
             <a:endParaRPr lang="en-GB"/>
           </a:p>
@@ -7604,7 +7606,7 @@
           <a:p>
             <a:fld id="{A03DC38D-B8B9-493F-90D0-9BD720E174E6}" type="datetimeFigureOut">
               <a:rPr lang="en-GB" smtClean="0"/>
-              <a:t>21/01/2020</a:t>
+              <a:t>03/02/2020</a:t>
             </a:fld>
             <a:endParaRPr lang="en-GB"/>
           </a:p>
@@ -7836,7 +7838,7 @@
           <a:p>
             <a:fld id="{A03DC38D-B8B9-493F-90D0-9BD720E174E6}" type="datetimeFigureOut">
               <a:rPr lang="en-GB" smtClean="0"/>
-              <a:t>21/01/2020</a:t>
+              <a:t>03/02/2020</a:t>
             </a:fld>
             <a:endParaRPr lang="en-GB"/>
           </a:p>
@@ -8217,7 +8219,7 @@
           <a:p>
             <a:fld id="{A03DC38D-B8B9-493F-90D0-9BD720E174E6}" type="datetimeFigureOut">
               <a:rPr lang="en-GB" smtClean="0"/>
-              <a:t>21/01/2020</a:t>
+              <a:t>03/02/2020</a:t>
             </a:fld>
             <a:endParaRPr lang="en-GB"/>
           </a:p>
@@ -8335,7 +8337,7 @@
           <a:p>
             <a:fld id="{A03DC38D-B8B9-493F-90D0-9BD720E174E6}" type="datetimeFigureOut">
               <a:rPr lang="en-GB" smtClean="0"/>
-              <a:t>21/01/2020</a:t>
+              <a:t>03/02/2020</a:t>
             </a:fld>
             <a:endParaRPr lang="en-GB"/>
           </a:p>
@@ -8430,7 +8432,7 @@
           <a:p>
             <a:fld id="{A03DC38D-B8B9-493F-90D0-9BD720E174E6}" type="datetimeFigureOut">
               <a:rPr lang="en-GB" smtClean="0"/>
-              <a:t>21/01/2020</a:t>
+              <a:t>03/02/2020</a:t>
             </a:fld>
             <a:endParaRPr lang="en-GB"/>
           </a:p>
@@ -8684,7 +8686,7 @@
           <a:p>
             <a:fld id="{A03DC38D-B8B9-493F-90D0-9BD720E174E6}" type="datetimeFigureOut">
               <a:rPr lang="en-GB" smtClean="0"/>
-              <a:t>21/01/2020</a:t>
+              <a:t>03/02/2020</a:t>
             </a:fld>
             <a:endParaRPr lang="en-GB"/>
           </a:p>
@@ -8969,7 +8971,7 @@
           <a:p>
             <a:fld id="{A03DC38D-B8B9-493F-90D0-9BD720E174E6}" type="datetimeFigureOut">
               <a:rPr lang="en-GB" smtClean="0"/>
-              <a:t>21/01/2020</a:t>
+              <a:t>03/02/2020</a:t>
             </a:fld>
             <a:endParaRPr lang="en-GB"/>
           </a:p>
@@ -9092,7 +9094,7 @@
           <a:noFill/>
           <a:extLst>
             <a:ext uri="{909E8E84-426E-40dd-AFC4-6F175D3DCCD1}">
-              <a14:hiddenFill xmlns="" xmlns:a14="http://schemas.microsoft.com/office/drawing/2010/main">
+              <a14:hiddenFill xmlns:a14="http://schemas.microsoft.com/office/drawing/2010/main" xmlns="">
                 <a:solidFill>
                   <a:srgbClr val="FFFFFF"/>
                 </a:solidFill>
@@ -9166,7 +9168,7 @@
               </a:ln>
               <a:extLst>
                 <a:ext uri="{91240B29-F687-4f45-9708-019B960494DF}">
-                  <a14:hiddenLine xmlns="" xmlns:a14="http://schemas.microsoft.com/office/drawing/2010/main" w="9525">
+                  <a14:hiddenLine xmlns:a14="http://schemas.microsoft.com/office/drawing/2010/main" xmlns="" w="9525">
                     <a:solidFill>
                       <a:srgbClr val="000000"/>
                     </a:solidFill>
@@ -9256,7 +9258,7 @@
               </a:ln>
               <a:extLst>
                 <a:ext uri="{91240B29-F687-4f45-9708-019B960494DF}">
-                  <a14:hiddenLine xmlns="" xmlns:a14="http://schemas.microsoft.com/office/drawing/2010/main" w="9525">
+                  <a14:hiddenLine xmlns:a14="http://schemas.microsoft.com/office/drawing/2010/main" xmlns="" w="9525">
                     <a:solidFill>
                       <a:srgbClr val="000000"/>
                     </a:solidFill>
@@ -9346,7 +9348,7 @@
               </a:ln>
               <a:extLst>
                 <a:ext uri="{91240B29-F687-4f45-9708-019B960494DF}">
-                  <a14:hiddenLine xmlns="" xmlns:a14="http://schemas.microsoft.com/office/drawing/2010/main" w="9525">
+                  <a14:hiddenLine xmlns:a14="http://schemas.microsoft.com/office/drawing/2010/main" xmlns="" w="9525">
                     <a:solidFill>
                       <a:srgbClr val="000000"/>
                     </a:solidFill>
@@ -9408,7 +9410,7 @@
               </a:ln>
               <a:extLst>
                 <a:ext uri="{91240B29-F687-4f45-9708-019B960494DF}">
-                  <a14:hiddenLine xmlns="" xmlns:a14="http://schemas.microsoft.com/office/drawing/2010/main" w="9525">
+                  <a14:hiddenLine xmlns:a14="http://schemas.microsoft.com/office/drawing/2010/main" xmlns="" w="9525">
                     <a:solidFill>
                       <a:srgbClr val="000000"/>
                     </a:solidFill>
@@ -9498,7 +9500,7 @@
               </a:ln>
               <a:extLst>
                 <a:ext uri="{91240B29-F687-4f45-9708-019B960494DF}">
-                  <a14:hiddenLine xmlns="" xmlns:a14="http://schemas.microsoft.com/office/drawing/2010/main" w="9525">
+                  <a14:hiddenLine xmlns:a14="http://schemas.microsoft.com/office/drawing/2010/main" xmlns="" w="9525">
                     <a:solidFill>
                       <a:srgbClr val="000000"/>
                     </a:solidFill>
@@ -9560,7 +9562,7 @@
               </a:ln>
               <a:extLst>
                 <a:ext uri="{91240B29-F687-4f45-9708-019B960494DF}">
-                  <a14:hiddenLine xmlns="" xmlns:a14="http://schemas.microsoft.com/office/drawing/2010/main" w="9525">
+                  <a14:hiddenLine xmlns:a14="http://schemas.microsoft.com/office/drawing/2010/main" xmlns="" w="9525">
                     <a:solidFill>
                       <a:srgbClr val="000000"/>
                     </a:solidFill>
@@ -9622,7 +9624,7 @@
               </a:ln>
               <a:extLst>
                 <a:ext uri="{91240B29-F687-4f45-9708-019B960494DF}">
-                  <a14:hiddenLine xmlns="" xmlns:a14="http://schemas.microsoft.com/office/drawing/2010/main" w="9525">
+                  <a14:hiddenLine xmlns:a14="http://schemas.microsoft.com/office/drawing/2010/main" xmlns="" w="9525">
                     <a:solidFill>
                       <a:srgbClr val="000000"/>
                     </a:solidFill>
@@ -9712,7 +9714,7 @@
               </a:ln>
               <a:extLst>
                 <a:ext uri="{91240B29-F687-4f45-9708-019B960494DF}">
-                  <a14:hiddenLine xmlns="" xmlns:a14="http://schemas.microsoft.com/office/drawing/2010/main" w="9525">
+                  <a14:hiddenLine xmlns:a14="http://schemas.microsoft.com/office/drawing/2010/main" xmlns="" w="9525">
                     <a:solidFill>
                       <a:srgbClr val="000000"/>
                     </a:solidFill>
@@ -9802,7 +9804,7 @@
               </a:ln>
               <a:extLst>
                 <a:ext uri="{91240B29-F687-4f45-9708-019B960494DF}">
-                  <a14:hiddenLine xmlns="" xmlns:a14="http://schemas.microsoft.com/office/drawing/2010/main" w="9525">
+                  <a14:hiddenLine xmlns:a14="http://schemas.microsoft.com/office/drawing/2010/main" xmlns="" w="9525">
                     <a:solidFill>
                       <a:srgbClr val="000000"/>
                     </a:solidFill>
@@ -9864,7 +9866,7 @@
               </a:ln>
               <a:extLst>
                 <a:ext uri="{91240B29-F687-4f45-9708-019B960494DF}">
-                  <a14:hiddenLine xmlns="" xmlns:a14="http://schemas.microsoft.com/office/drawing/2010/main" w="9525">
+                  <a14:hiddenLine xmlns:a14="http://schemas.microsoft.com/office/drawing/2010/main" xmlns="" w="9525">
                     <a:solidFill>
                       <a:srgbClr val="000000"/>
                     </a:solidFill>
@@ -9974,7 +9976,7 @@
               </a:ln>
               <a:extLst>
                 <a:ext uri="{91240B29-F687-4f45-9708-019B960494DF}">
-                  <a14:hiddenLine xmlns="" xmlns:a14="http://schemas.microsoft.com/office/drawing/2010/main" w="9525">
+                  <a14:hiddenLine xmlns:a14="http://schemas.microsoft.com/office/drawing/2010/main" xmlns="" w="9525">
                     <a:solidFill>
                       <a:srgbClr val="000000"/>
                     </a:solidFill>
@@ -10058,7 +10060,7 @@
               </a:ln>
               <a:extLst>
                 <a:ext uri="{91240B29-F687-4f45-9708-019B960494DF}">
-                  <a14:hiddenLine xmlns="" xmlns:a14="http://schemas.microsoft.com/office/drawing/2010/main" w="9525">
+                  <a14:hiddenLine xmlns:a14="http://schemas.microsoft.com/office/drawing/2010/main" xmlns="" w="9525">
                     <a:solidFill>
                       <a:srgbClr val="000000"/>
                     </a:solidFill>
@@ -10120,7 +10122,7 @@
               </a:ln>
               <a:extLst>
                 <a:ext uri="{91240B29-F687-4f45-9708-019B960494DF}">
-                  <a14:hiddenLine xmlns="" xmlns:a14="http://schemas.microsoft.com/office/drawing/2010/main" w="9525">
+                  <a14:hiddenLine xmlns:a14="http://schemas.microsoft.com/office/drawing/2010/main" xmlns="" w="9525">
                     <a:solidFill>
                       <a:srgbClr val="000000"/>
                     </a:solidFill>
@@ -10182,7 +10184,7 @@
               </a:ln>
               <a:extLst>
                 <a:ext uri="{91240B29-F687-4f45-9708-019B960494DF}">
-                  <a14:hiddenLine xmlns="" xmlns:a14="http://schemas.microsoft.com/office/drawing/2010/main" w="9525">
+                  <a14:hiddenLine xmlns:a14="http://schemas.microsoft.com/office/drawing/2010/main" xmlns="" w="9525">
                     <a:solidFill>
                       <a:srgbClr val="000000"/>
                     </a:solidFill>
@@ -10272,7 +10274,7 @@
               </a:ln>
               <a:extLst>
                 <a:ext uri="{91240B29-F687-4f45-9708-019B960494DF}">
-                  <a14:hiddenLine xmlns="" xmlns:a14="http://schemas.microsoft.com/office/drawing/2010/main" w="9525">
+                  <a14:hiddenLine xmlns:a14="http://schemas.microsoft.com/office/drawing/2010/main" xmlns="" w="9525">
                     <a:solidFill>
                       <a:srgbClr val="000000"/>
                     </a:solidFill>
@@ -10306,7 +10308,7 @@
               </a:ln>
               <a:extLst>
                 <a:ext uri="{91240B29-F687-4f45-9708-019B960494DF}">
-                  <a14:hiddenLine xmlns="" xmlns:a14="http://schemas.microsoft.com/office/drawing/2010/main" w="9525">
+                  <a14:hiddenLine xmlns:a14="http://schemas.microsoft.com/office/drawing/2010/main" xmlns="" w="9525">
                     <a:solidFill>
                       <a:srgbClr val="000000"/>
                     </a:solidFill>
@@ -10371,7 +10373,7 @@
               </a:ln>
               <a:extLst>
                 <a:ext uri="{91240B29-F687-4f45-9708-019B960494DF}">
-                  <a14:hiddenLine xmlns="" xmlns:a14="http://schemas.microsoft.com/office/drawing/2010/main" w="9525">
+                  <a14:hiddenLine xmlns:a14="http://schemas.microsoft.com/office/drawing/2010/main" xmlns="" w="9525">
                     <a:solidFill>
                       <a:srgbClr val="000000"/>
                     </a:solidFill>
@@ -10461,7 +10463,7 @@
               </a:ln>
               <a:extLst>
                 <a:ext uri="{91240B29-F687-4f45-9708-019B960494DF}">
-                  <a14:hiddenLine xmlns="" xmlns:a14="http://schemas.microsoft.com/office/drawing/2010/main" w="9525">
+                  <a14:hiddenLine xmlns:a14="http://schemas.microsoft.com/office/drawing/2010/main" xmlns="" w="9525">
                     <a:solidFill>
                       <a:srgbClr val="000000"/>
                     </a:solidFill>
@@ -10523,7 +10525,7 @@
               </a:ln>
               <a:extLst>
                 <a:ext uri="{91240B29-F687-4f45-9708-019B960494DF}">
-                  <a14:hiddenLine xmlns="" xmlns:a14="http://schemas.microsoft.com/office/drawing/2010/main" w="9525">
+                  <a14:hiddenLine xmlns:a14="http://schemas.microsoft.com/office/drawing/2010/main" xmlns="" w="9525">
                     <a:solidFill>
                       <a:srgbClr val="000000"/>
                     </a:solidFill>
@@ -10613,7 +10615,7 @@
               </a:ln>
               <a:extLst>
                 <a:ext uri="{91240B29-F687-4f45-9708-019B960494DF}">
-                  <a14:hiddenLine xmlns="" xmlns:a14="http://schemas.microsoft.com/office/drawing/2010/main" w="9525">
+                  <a14:hiddenLine xmlns:a14="http://schemas.microsoft.com/office/drawing/2010/main" xmlns="" w="9525">
                     <a:solidFill>
                       <a:srgbClr val="000000"/>
                     </a:solidFill>
@@ -10678,7 +10680,7 @@
               </a:ln>
               <a:extLst>
                 <a:ext uri="{91240B29-F687-4f45-9708-019B960494DF}">
-                  <a14:hiddenLine xmlns="" xmlns:a14="http://schemas.microsoft.com/office/drawing/2010/main" w="9525">
+                  <a14:hiddenLine xmlns:a14="http://schemas.microsoft.com/office/drawing/2010/main" xmlns="" w="9525">
                     <a:solidFill>
                       <a:srgbClr val="000000"/>
                     </a:solidFill>
@@ -10740,7 +10742,7 @@
               </a:ln>
               <a:extLst>
                 <a:ext uri="{91240B29-F687-4f45-9708-019B960494DF}">
-                  <a14:hiddenLine xmlns="" xmlns:a14="http://schemas.microsoft.com/office/drawing/2010/main" w="9525">
+                  <a14:hiddenLine xmlns:a14="http://schemas.microsoft.com/office/drawing/2010/main" xmlns="" w="9525">
                     <a:solidFill>
                       <a:srgbClr val="000000"/>
                     </a:solidFill>
@@ -10830,7 +10832,7 @@
               </a:ln>
               <a:extLst>
                 <a:ext uri="{91240B29-F687-4f45-9708-019B960494DF}">
-                  <a14:hiddenLine xmlns="" xmlns:a14="http://schemas.microsoft.com/office/drawing/2010/main" w="9525">
+                  <a14:hiddenLine xmlns:a14="http://schemas.microsoft.com/office/drawing/2010/main" xmlns="" w="9525">
                     <a:solidFill>
                       <a:srgbClr val="000000"/>
                     </a:solidFill>
@@ -10920,7 +10922,7 @@
               </a:ln>
               <a:extLst>
                 <a:ext uri="{91240B29-F687-4f45-9708-019B960494DF}">
-                  <a14:hiddenLine xmlns="" xmlns:a14="http://schemas.microsoft.com/office/drawing/2010/main" w="9525">
+                  <a14:hiddenLine xmlns:a14="http://schemas.microsoft.com/office/drawing/2010/main" xmlns="" w="9525">
                     <a:solidFill>
                       <a:srgbClr val="000000"/>
                     </a:solidFill>
@@ -10985,7 +10987,7 @@
               </a:ln>
               <a:extLst>
                 <a:ext uri="{91240B29-F687-4f45-9708-019B960494DF}">
-                  <a14:hiddenLine xmlns="" xmlns:a14="http://schemas.microsoft.com/office/drawing/2010/main" w="9525">
+                  <a14:hiddenLine xmlns:a14="http://schemas.microsoft.com/office/drawing/2010/main" xmlns="" w="9525">
                     <a:solidFill>
                       <a:srgbClr val="000000"/>
                     </a:solidFill>
@@ -11105,7 +11107,7 @@
               </a:ln>
               <a:extLst>
                 <a:ext uri="{91240B29-F687-4f45-9708-019B960494DF}">
-                  <a14:hiddenLine xmlns="" xmlns:a14="http://schemas.microsoft.com/office/drawing/2010/main" w="9525">
+                  <a14:hiddenLine xmlns:a14="http://schemas.microsoft.com/office/drawing/2010/main" xmlns="" w="9525">
                     <a:solidFill>
                       <a:srgbClr val="000000"/>
                     </a:solidFill>
@@ -11203,7 +11205,7 @@
               </a:ln>
               <a:extLst>
                 <a:ext uri="{91240B29-F687-4f45-9708-019B960494DF}">
-                  <a14:hiddenLine xmlns="" xmlns:a14="http://schemas.microsoft.com/office/drawing/2010/main" w="9525">
+                  <a14:hiddenLine xmlns:a14="http://schemas.microsoft.com/office/drawing/2010/main" xmlns="" w="9525">
                     <a:solidFill>
                       <a:srgbClr val="000000"/>
                     </a:solidFill>
@@ -11318,7 +11320,7 @@
               </a:ln>
               <a:extLst>
                 <a:ext uri="{91240B29-F687-4f45-9708-019B960494DF}">
-                  <a14:hiddenLine xmlns="" xmlns:a14="http://schemas.microsoft.com/office/drawing/2010/main" w="9525">
+                  <a14:hiddenLine xmlns:a14="http://schemas.microsoft.com/office/drawing/2010/main" xmlns="" w="9525">
                     <a:solidFill>
                       <a:srgbClr val="000000"/>
                     </a:solidFill>
@@ -11408,7 +11410,7 @@
               </a:ln>
               <a:extLst>
                 <a:ext uri="{91240B29-F687-4f45-9708-019B960494DF}">
-                  <a14:hiddenLine xmlns="" xmlns:a14="http://schemas.microsoft.com/office/drawing/2010/main" w="9525">
+                  <a14:hiddenLine xmlns:a14="http://schemas.microsoft.com/office/drawing/2010/main" xmlns="" w="9525">
                     <a:solidFill>
                       <a:srgbClr val="000000"/>
                     </a:solidFill>
@@ -11473,7 +11475,7 @@
               </a:ln>
               <a:extLst>
                 <a:ext uri="{91240B29-F687-4f45-9708-019B960494DF}">
-                  <a14:hiddenLine xmlns="" xmlns:a14="http://schemas.microsoft.com/office/drawing/2010/main" w="9525">
+                  <a14:hiddenLine xmlns:a14="http://schemas.microsoft.com/office/drawing/2010/main" xmlns="" w="9525">
                     <a:solidFill>
                       <a:srgbClr val="000000"/>
                     </a:solidFill>
@@ -11563,7 +11565,7 @@
               </a:ln>
               <a:extLst>
                 <a:ext uri="{91240B29-F687-4f45-9708-019B960494DF}">
-                  <a14:hiddenLine xmlns="" xmlns:a14="http://schemas.microsoft.com/office/drawing/2010/main" w="9525">
+                  <a14:hiddenLine xmlns:a14="http://schemas.microsoft.com/office/drawing/2010/main" xmlns="" w="9525">
                     <a:solidFill>
                       <a:srgbClr val="000000"/>
                     </a:solidFill>
@@ -11631,7 +11633,7 @@
               </a:ln>
               <a:extLst>
                 <a:ext uri="{91240B29-F687-4f45-9708-019B960494DF}">
-                  <a14:hiddenLine xmlns="" xmlns:a14="http://schemas.microsoft.com/office/drawing/2010/main" w="9525">
+                  <a14:hiddenLine xmlns:a14="http://schemas.microsoft.com/office/drawing/2010/main" xmlns="" w="9525">
                     <a:solidFill>
                       <a:srgbClr val="000000"/>
                     </a:solidFill>
@@ -11721,7 +11723,7 @@
               </a:ln>
               <a:extLst>
                 <a:ext uri="{91240B29-F687-4f45-9708-019B960494DF}">
-                  <a14:hiddenLine xmlns="" xmlns:a14="http://schemas.microsoft.com/office/drawing/2010/main" w="9525">
+                  <a14:hiddenLine xmlns:a14="http://schemas.microsoft.com/office/drawing/2010/main" xmlns="" w="9525">
                     <a:solidFill>
                       <a:srgbClr val="000000"/>
                     </a:solidFill>
@@ -11789,7 +11791,7 @@
               </a:ln>
               <a:extLst>
                 <a:ext uri="{91240B29-F687-4f45-9708-019B960494DF}">
-                  <a14:hiddenLine xmlns="" xmlns:a14="http://schemas.microsoft.com/office/drawing/2010/main" w="9525">
+                  <a14:hiddenLine xmlns:a14="http://schemas.microsoft.com/office/drawing/2010/main" xmlns="" w="9525">
                     <a:solidFill>
                       <a:srgbClr val="000000"/>
                     </a:solidFill>
@@ -11879,7 +11881,7 @@
               </a:ln>
               <a:extLst>
                 <a:ext uri="{91240B29-F687-4f45-9708-019B960494DF}">
-                  <a14:hiddenLine xmlns="" xmlns:a14="http://schemas.microsoft.com/office/drawing/2010/main" w="9525">
+                  <a14:hiddenLine xmlns:a14="http://schemas.microsoft.com/office/drawing/2010/main" xmlns="" w="9525">
                     <a:solidFill>
                       <a:srgbClr val="000000"/>
                     </a:solidFill>
@@ -11913,7 +11915,7 @@
               </a:ln>
               <a:extLst>
                 <a:ext uri="{91240B29-F687-4f45-9708-019B960494DF}">
-                  <a14:hiddenLine xmlns="" xmlns:a14="http://schemas.microsoft.com/office/drawing/2010/main" w="9525">
+                  <a14:hiddenLine xmlns:a14="http://schemas.microsoft.com/office/drawing/2010/main" xmlns="" w="9525">
                     <a:solidFill>
                       <a:srgbClr val="000000"/>
                     </a:solidFill>
@@ -12053,7 +12055,7 @@
           <a:p>
             <a:fld id="{A03DC38D-B8B9-493F-90D0-9BD720E174E6}" type="datetimeFigureOut">
               <a:rPr lang="en-GB" smtClean="0"/>
-              <a:t>21/01/2020</a:t>
+              <a:t>03/02/2020</a:t>
             </a:fld>
             <a:endParaRPr lang="en-GB"/>
           </a:p>
@@ -12618,6 +12620,198 @@
 </p:sld>
 </file>
 
+<file path=ppt/slides/slide10.xml><?xml version="1.0" encoding="utf-8"?>
+<p:sld xmlns:a="http://schemas.openxmlformats.org/drawingml/2006/main" xmlns:r="http://schemas.openxmlformats.org/officeDocument/2006/relationships" xmlns:p="http://schemas.openxmlformats.org/presentationml/2006/main">
+  <p:cSld>
+    <p:spTree>
+      <p:nvGrpSpPr>
+        <p:cNvPr id="1" name=""/>
+        <p:cNvGrpSpPr/>
+        <p:nvPr/>
+      </p:nvGrpSpPr>
+      <p:grpSpPr>
+        <a:xfrm>
+          <a:off x="0" y="0"/>
+          <a:ext cx="0" cy="0"/>
+          <a:chOff x="0" y="0"/>
+          <a:chExt cx="0" cy="0"/>
+        </a:xfrm>
+      </p:grpSpPr>
+      <p:sp>
+        <p:nvSpPr>
+          <p:cNvPr id="2" name="Title 1"/>
+          <p:cNvSpPr>
+            <a:spLocks noGrp="1"/>
+          </p:cNvSpPr>
+          <p:nvPr>
+            <p:ph type="title"/>
+          </p:nvPr>
+        </p:nvSpPr>
+        <p:spPr/>
+        <p:txBody>
+          <a:bodyPr/>
+          <a:lstStyle/>
+          <a:p>
+            <a:r>
+              <a:rPr lang="en-GB" dirty="0" smtClean="0"/>
+              <a:t>Victory / Failure screen</a:t>
+            </a:r>
+            <a:endParaRPr lang="en-GB" dirty="0"/>
+          </a:p>
+        </p:txBody>
+      </p:sp>
+      <p:sp>
+        <p:nvSpPr>
+          <p:cNvPr id="3" name="Content Placeholder 2"/>
+          <p:cNvSpPr>
+            <a:spLocks noGrp="1"/>
+          </p:cNvSpPr>
+          <p:nvPr>
+            <p:ph idx="1"/>
+          </p:nvPr>
+        </p:nvSpPr>
+        <p:spPr/>
+        <p:txBody>
+          <a:bodyPr/>
+          <a:lstStyle/>
+          <a:p>
+            <a:r>
+              <a:rPr lang="en-GB" dirty="0" smtClean="0"/>
+              <a:t>Which shows will be dependent on whether you hit the win state or the </a:t>
+            </a:r>
+            <a:r>
+              <a:rPr lang="en-GB" smtClean="0"/>
+              <a:t>fail state.</a:t>
+            </a:r>
+          </a:p>
+          <a:p>
+            <a:endParaRPr lang="en-GB"/>
+          </a:p>
+        </p:txBody>
+      </p:sp>
+    </p:spTree>
+    <p:extLst>
+      <p:ext uri="{BB962C8B-B14F-4D97-AF65-F5344CB8AC3E}">
+        <p14:creationId xmlns:p14="http://schemas.microsoft.com/office/powerpoint/2010/main" val="4221213087"/>
+      </p:ext>
+    </p:extLst>
+  </p:cSld>
+  <p:clrMapOvr>
+    <a:masterClrMapping/>
+  </p:clrMapOvr>
+  <p:timing>
+    <p:tnLst>
+      <p:par>
+        <p:cTn id="1" dur="indefinite" restart="never" nodeType="tmRoot"/>
+      </p:par>
+    </p:tnLst>
+  </p:timing>
+</p:sld>
+</file>
+
+<file path=ppt/slides/slide11.xml><?xml version="1.0" encoding="utf-8"?>
+<p:sld xmlns:a="http://schemas.openxmlformats.org/drawingml/2006/main" xmlns:r="http://schemas.openxmlformats.org/officeDocument/2006/relationships" xmlns:p="http://schemas.openxmlformats.org/presentationml/2006/main">
+  <p:cSld>
+    <p:spTree>
+      <p:nvGrpSpPr>
+        <p:cNvPr id="1" name=""/>
+        <p:cNvGrpSpPr/>
+        <p:nvPr/>
+      </p:nvGrpSpPr>
+      <p:grpSpPr>
+        <a:xfrm>
+          <a:off x="0" y="0"/>
+          <a:ext cx="0" cy="0"/>
+          <a:chOff x="0" y="0"/>
+          <a:chExt cx="0" cy="0"/>
+        </a:xfrm>
+      </p:grpSpPr>
+      <p:sp>
+        <p:nvSpPr>
+          <p:cNvPr id="2" name="Title 1"/>
+          <p:cNvSpPr>
+            <a:spLocks noGrp="1"/>
+          </p:cNvSpPr>
+          <p:nvPr>
+            <p:ph type="title"/>
+          </p:nvPr>
+        </p:nvSpPr>
+        <p:spPr/>
+        <p:txBody>
+          <a:bodyPr/>
+          <a:lstStyle/>
+          <a:p>
+            <a:r>
+              <a:rPr lang="en-GB" dirty="0" smtClean="0"/>
+              <a:t>Character / Fudging flocking	</a:t>
+            </a:r>
+            <a:endParaRPr lang="en-GB" dirty="0"/>
+          </a:p>
+        </p:txBody>
+      </p:sp>
+      <p:sp>
+        <p:nvSpPr>
+          <p:cNvPr id="3" name="Content Placeholder 2"/>
+          <p:cNvSpPr>
+            <a:spLocks noGrp="1"/>
+          </p:cNvSpPr>
+          <p:nvPr>
+            <p:ph idx="1"/>
+          </p:nvPr>
+        </p:nvSpPr>
+        <p:spPr/>
+        <p:txBody>
+          <a:bodyPr/>
+          <a:lstStyle/>
+          <a:p>
+            <a:r>
+              <a:rPr lang="en-GB" dirty="0" smtClean="0"/>
+              <a:t>Players</a:t>
+            </a:r>
+          </a:p>
+          <a:p>
+            <a:pPr lvl="1"/>
+            <a:r>
+              <a:rPr lang="en-GB" dirty="0" smtClean="0"/>
+              <a:t>Egg – Attack / move</a:t>
+            </a:r>
+          </a:p>
+          <a:p>
+            <a:r>
+              <a:rPr lang="en-GB" dirty="0" smtClean="0"/>
+              <a:t>Enemy</a:t>
+            </a:r>
+          </a:p>
+          <a:p>
+            <a:pPr lvl="1"/>
+            <a:r>
+              <a:rPr lang="en-GB" dirty="0" smtClean="0"/>
+              <a:t>Pawn – Attack / Move</a:t>
+            </a:r>
+          </a:p>
+          <a:p>
+            <a:pPr lvl="1"/>
+            <a:r>
+              <a:rPr lang="en-GB" dirty="0" smtClean="0"/>
+              <a:t>BBEG – Flocking shield / Attack / Move</a:t>
+            </a:r>
+            <a:endParaRPr lang="en-GB" dirty="0"/>
+          </a:p>
+        </p:txBody>
+      </p:sp>
+    </p:spTree>
+    <p:extLst>
+      <p:ext uri="{BB962C8B-B14F-4D97-AF65-F5344CB8AC3E}">
+        <p14:creationId xmlns:p14="http://schemas.microsoft.com/office/powerpoint/2010/main" val="2220455264"/>
+      </p:ext>
+    </p:extLst>
+  </p:cSld>
+  <p:clrMapOvr>
+    <a:masterClrMapping/>
+  </p:clrMapOvr>
+</p:sld>
+</file>
+
 <file path=ppt/slides/slide2.xml><?xml version="1.0" encoding="utf-8"?>
 <p:sld xmlns:a="http://schemas.openxmlformats.org/drawingml/2006/main" xmlns:r="http://schemas.openxmlformats.org/officeDocument/2006/relationships" xmlns:p="http://schemas.openxmlformats.org/presentationml/2006/main">
   <p:cSld>
@@ -12686,16 +12880,16 @@
           </a:p>
           <a:p>
             <a:r>
-              <a:rPr lang="en-GB" dirty="0" smtClean="0"/>
+              <a:rPr lang="en-GB" strike="sngStrike" dirty="0" smtClean="0"/>
               <a:t>Options (Optional)</a:t>
             </a:r>
           </a:p>
           <a:p>
             <a:r>
-              <a:rPr lang="en-GB" dirty="0" smtClean="0"/>
+              <a:rPr lang="en-GB" strike="sngStrike" dirty="0" smtClean="0"/>
               <a:t>Algorithm Selection (Optional)</a:t>
             </a:r>
-            <a:endParaRPr lang="en-GB" dirty="0"/>
+            <a:endParaRPr lang="en-GB" strike="sngStrike" dirty="0"/>
           </a:p>
         </p:txBody>
       </p:sp>
@@ -12962,7 +13156,9 @@
         </p:nvSpPr>
         <p:spPr/>
         <p:txBody>
-          <a:bodyPr/>
+          <a:bodyPr>
+            <a:normAutofit/>
+          </a:bodyPr>
           <a:lstStyle/>
           <a:p>
             <a:r>
@@ -12973,14 +13169,13 @@
           <a:p>
             <a:r>
               <a:rPr lang="en-GB" dirty="0" smtClean="0"/>
-              <a:t>Fail state – All eggs have been scrambled / fried / poached / cracked</a:t>
-            </a:r>
-          </a:p>
-          <a:p>
-            <a:pPr marL="0" indent="0">
-              <a:buNone/>
-            </a:pPr>
-            <a:endParaRPr lang="en-GB" dirty="0"/>
+              <a:t>Fail state – All eggs have been scrambled / fried / poached / </a:t>
+            </a:r>
+            <a:r>
+              <a:rPr lang="en-GB" dirty="0" smtClean="0"/>
+              <a:t>cracked</a:t>
+            </a:r>
+            <a:endParaRPr lang="en-GB" dirty="0" smtClean="0"/>
           </a:p>
         </p:txBody>
       </p:sp>
@@ -13057,7 +13252,7 @@
         <p:spPr/>
         <p:txBody>
           <a:bodyPr>
-            <a:normAutofit fontScale="62500" lnSpcReduction="20000"/>
+            <a:normAutofit fontScale="55000" lnSpcReduction="20000"/>
           </a:bodyPr>
           <a:lstStyle/>
           <a:p>
@@ -13089,8 +13284,13 @@
             <a:pPr lvl="1"/>
             <a:r>
               <a:rPr lang="en-GB" dirty="0" smtClean="0"/>
-              <a:t>Attack/other action ends the turn?</a:t>
-            </a:r>
+              <a:t>Attack/other action ends the </a:t>
+            </a:r>
+            <a:r>
+              <a:rPr lang="en-GB" dirty="0" smtClean="0"/>
+              <a:t>turn</a:t>
+            </a:r>
+            <a:endParaRPr lang="en-GB" dirty="0" smtClean="0"/>
           </a:p>
           <a:p>
             <a:r>
@@ -13138,8 +13338,27 @@
             <a:pPr lvl="2"/>
             <a:r>
               <a:rPr lang="en-GB" dirty="0" smtClean="0"/>
-              <a:t>Verticality?</a:t>
-            </a:r>
+              <a:t>Verticality</a:t>
+            </a:r>
+            <a:r>
+              <a:rPr lang="en-GB" dirty="0" smtClean="0"/>
+              <a:t>?</a:t>
+            </a:r>
+          </a:p>
+          <a:p>
+            <a:pPr lvl="1"/>
+            <a:r>
+              <a:rPr lang="en-GB" dirty="0" smtClean="0"/>
+              <a:t>Reload</a:t>
+            </a:r>
+          </a:p>
+          <a:p>
+            <a:pPr lvl="1"/>
+            <a:r>
+              <a:rPr lang="en-GB" dirty="0" err="1" smtClean="0"/>
+              <a:t>Overwatch</a:t>
+            </a:r>
+            <a:endParaRPr lang="en-GB" dirty="0" smtClean="0"/>
           </a:p>
           <a:p>
             <a:pPr lvl="1"/>
@@ -13219,7 +13438,9 @@
         </p:nvSpPr>
         <p:spPr/>
         <p:txBody>
-          <a:bodyPr/>
+          <a:bodyPr>
+            <a:normAutofit lnSpcReduction="10000"/>
+          </a:bodyPr>
           <a:lstStyle/>
           <a:p>
             <a:r>
@@ -13258,8 +13479,35 @@
             <a:pPr lvl="2"/>
             <a:r>
               <a:rPr lang="en-GB" dirty="0" smtClean="0"/>
-              <a:t>Else prioritise the one with the highest hit chance.</a:t>
-            </a:r>
+              <a:t>Else prioritise the one with the highest hit chance</a:t>
+            </a:r>
+            <a:r>
+              <a:rPr lang="en-GB" dirty="0" smtClean="0"/>
+              <a:t>.</a:t>
+            </a:r>
+          </a:p>
+          <a:p>
+            <a:pPr lvl="1"/>
+            <a:r>
+              <a:rPr lang="en-GB" dirty="0" smtClean="0"/>
+              <a:t>Reload</a:t>
+            </a:r>
+          </a:p>
+          <a:p>
+            <a:pPr lvl="1"/>
+            <a:r>
+              <a:rPr lang="en-GB" dirty="0" err="1" smtClean="0"/>
+              <a:t>Overwatch</a:t>
+            </a:r>
+            <a:r>
+              <a:rPr lang="en-GB" dirty="0"/>
+              <a:t> </a:t>
+            </a:r>
+            <a:r>
+              <a:rPr lang="en-GB" dirty="0" smtClean="0"/>
+              <a:t>– replace name maybe.</a:t>
+            </a:r>
+            <a:endParaRPr lang="en-GB" dirty="0" smtClean="0"/>
           </a:p>
           <a:p>
             <a:endParaRPr lang="en-GB" dirty="0"/>
@@ -13320,7 +13568,7 @@
           <a:p>
             <a:r>
               <a:rPr lang="en-GB" dirty="0" smtClean="0"/>
-              <a:t>Victory / Failure screen</a:t>
+              <a:t>Death Puns</a:t>
             </a:r>
             <a:endParaRPr lang="en-GB" dirty="0"/>
           </a:p>
@@ -13338,40 +13586,76 @@
         </p:nvSpPr>
         <p:spPr/>
         <p:txBody>
-          <a:bodyPr/>
+          <a:bodyPr>
+            <a:normAutofit fontScale="70000" lnSpcReduction="20000"/>
+          </a:bodyPr>
           <a:lstStyle/>
           <a:p>
             <a:r>
               <a:rPr lang="en-GB" dirty="0" smtClean="0"/>
-              <a:t>Which shows will be dependent on whether you hit the win state or the </a:t>
-            </a:r>
-            <a:r>
-              <a:rPr lang="en-GB" smtClean="0"/>
-              <a:t>fail state.</a:t>
-            </a:r>
-          </a:p>
-          <a:p>
-            <a:endParaRPr lang="en-GB"/>
+              <a:t>Scrambled</a:t>
+            </a:r>
+          </a:p>
+          <a:p>
+            <a:r>
+              <a:rPr lang="en-GB" dirty="0" smtClean="0"/>
+              <a:t>Poached</a:t>
+            </a:r>
+          </a:p>
+          <a:p>
+            <a:r>
+              <a:rPr lang="en-GB" dirty="0" smtClean="0"/>
+              <a:t>Fried</a:t>
+            </a:r>
+          </a:p>
+          <a:p>
+            <a:r>
+              <a:rPr lang="en-GB" dirty="0" smtClean="0"/>
+              <a:t>Boiled</a:t>
+            </a:r>
+          </a:p>
+          <a:p>
+            <a:r>
+              <a:rPr lang="en-GB" dirty="0" smtClean="0"/>
+              <a:t>Cracked</a:t>
+            </a:r>
+          </a:p>
+          <a:p>
+            <a:r>
+              <a:rPr lang="en-GB" dirty="0" smtClean="0"/>
+              <a:t>Separated</a:t>
+            </a:r>
+          </a:p>
+          <a:p>
+            <a:r>
+              <a:rPr lang="en-GB" dirty="0" smtClean="0"/>
+              <a:t>Smashed</a:t>
+            </a:r>
+          </a:p>
+          <a:p>
+            <a:r>
+              <a:rPr lang="en-GB" dirty="0" smtClean="0"/>
+              <a:t>Devilled</a:t>
+            </a:r>
+          </a:p>
+          <a:p>
+            <a:r>
+              <a:rPr lang="en-GB" dirty="0" smtClean="0"/>
+              <a:t>Fermented</a:t>
+            </a:r>
           </a:p>
         </p:txBody>
       </p:sp>
     </p:spTree>
     <p:extLst>
       <p:ext uri="{BB962C8B-B14F-4D97-AF65-F5344CB8AC3E}">
-        <p14:creationId xmlns:p14="http://schemas.microsoft.com/office/powerpoint/2010/main" val="4221213087"/>
+        <p14:creationId xmlns:p14="http://schemas.microsoft.com/office/powerpoint/2010/main" val="2217902273"/>
       </p:ext>
     </p:extLst>
   </p:cSld>
   <p:clrMapOvr>
     <a:masterClrMapping/>
   </p:clrMapOvr>
-  <p:timing>
-    <p:tnLst>
-      <p:par>
-        <p:cTn id="1" dur="indefinite" restart="never" nodeType="tmRoot"/>
-      </p:par>
-    </p:tnLst>
-  </p:timing>
 </p:sld>
 </file>
 
@@ -13409,7 +13693,7 @@
           <a:p>
             <a:r>
               <a:rPr lang="en-GB" dirty="0" smtClean="0"/>
-              <a:t>Character / Fudging flocking	</a:t>
+              <a:t>Player Unit Names	</a:t>
             </a:r>
             <a:endParaRPr lang="en-GB" dirty="0"/>
           </a:p>
@@ -13427,39 +13711,73 @@
         </p:nvSpPr>
         <p:spPr/>
         <p:txBody>
-          <a:bodyPr/>
+          <a:bodyPr>
+            <a:normAutofit fontScale="62500" lnSpcReduction="20000"/>
+          </a:bodyPr>
           <a:lstStyle/>
           <a:p>
             <a:r>
               <a:rPr lang="en-GB" dirty="0" smtClean="0"/>
-              <a:t>Players</a:t>
-            </a:r>
-          </a:p>
-          <a:p>
-            <a:pPr lvl="1"/>
+              <a:t>Benedict</a:t>
+            </a:r>
+          </a:p>
+          <a:p>
             <a:r>
               <a:rPr lang="en-GB" dirty="0" smtClean="0"/>
-              <a:t>Egg – Attack / move</a:t>
+              <a:t>Royale</a:t>
             </a:r>
           </a:p>
           <a:p>
             <a:r>
               <a:rPr lang="en-GB" dirty="0" smtClean="0"/>
-              <a:t>Enemy</a:t>
-            </a:r>
-          </a:p>
-          <a:p>
-            <a:pPr lvl="1"/>
+              <a:t>Nog</a:t>
+            </a:r>
+          </a:p>
+          <a:p>
             <a:r>
               <a:rPr lang="en-GB" dirty="0" smtClean="0"/>
-              <a:t>Pawn – Attack / Move</a:t>
-            </a:r>
-          </a:p>
-          <a:p>
-            <a:pPr lvl="1"/>
+              <a:t>Beauregard</a:t>
+            </a:r>
+          </a:p>
+          <a:p>
             <a:r>
               <a:rPr lang="en-GB" dirty="0" smtClean="0"/>
-              <a:t>BBEG – Flocking shield / Attack / Move</a:t>
+              <a:t>Custard</a:t>
+            </a:r>
+          </a:p>
+          <a:p>
+            <a:r>
+              <a:rPr lang="en-GB" dirty="0" smtClean="0"/>
+              <a:t>Meyerbeer</a:t>
+            </a:r>
+          </a:p>
+          <a:p>
+            <a:r>
+              <a:rPr lang="en-GB" dirty="0" smtClean="0"/>
+              <a:t>Florentine</a:t>
+            </a:r>
+          </a:p>
+          <a:p>
+            <a:r>
+              <a:rPr lang="en-GB" dirty="0" err="1" smtClean="0">
+                <a:effectLst/>
+              </a:rPr>
+              <a:t>Flæskeæggekage</a:t>
+            </a:r>
+            <a:endParaRPr lang="en-GB" dirty="0" smtClean="0">
+              <a:effectLst/>
+            </a:endParaRPr>
+          </a:p>
+          <a:p>
+            <a:r>
+              <a:rPr lang="en-GB" dirty="0" smtClean="0"/>
+              <a:t>Foo Yung</a:t>
+            </a:r>
+          </a:p>
+          <a:p>
+            <a:r>
+              <a:rPr lang="en-GB" dirty="0" smtClean="0"/>
+              <a:t>Mayo</a:t>
             </a:r>
             <a:endParaRPr lang="en-GB" dirty="0"/>
           </a:p>
@@ -13468,7 +13786,7 @@
     </p:spTree>
     <p:extLst>
       <p:ext uri="{BB962C8B-B14F-4D97-AF65-F5344CB8AC3E}">
-        <p14:creationId xmlns:p14="http://schemas.microsoft.com/office/powerpoint/2010/main" val="2220455264"/>
+        <p14:creationId xmlns:p14="http://schemas.microsoft.com/office/powerpoint/2010/main" val="3255407540"/>
       </p:ext>
     </p:extLst>
   </p:cSld>
